--- a/ppt/01 React基础.pptx
+++ b/ppt/01 React基础.pptx
@@ -4680,7 +4680,71 @@
                   <a:srgbClr val="000000"/>
                 </a:solidFill>
               </a:rPr>
+              <a:t>npm </a:t>
+            </a:r>
+            <a:r>
+              <a:rPr lang="en-US" altLang="zh-CN" sz="1200" dirty="0" smtClean="0">
+                <a:solidFill>
+                  <a:srgbClr val="000000"/>
+                </a:solidFill>
+              </a:rPr>
+              <a:t>run</a:t>
+            </a:r>
+            <a:r>
+              <a:rPr lang="zh-CN" altLang="en-US" sz="1200" dirty="0" smtClean="0">
+                <a:solidFill>
+                  <a:srgbClr val="000000"/>
+                </a:solidFill>
+              </a:rPr>
+              <a:t> start（注：命令是</a:t>
+            </a:r>
+            <a:r>
+              <a:rPr lang="en-US" altLang="zh-CN" sz="1200" dirty="0" smtClean="0">
+                <a:solidFill>
+                  <a:srgbClr val="000000"/>
+                </a:solidFill>
+              </a:rPr>
+              <a:t>start</a:t>
+            </a:r>
+            <a:r>
+              <a:rPr lang="zh-CN" altLang="en-US" sz="1200" dirty="0" smtClean="0">
+                <a:solidFill>
+                  <a:srgbClr val="000000"/>
+                </a:solidFill>
+              </a:rPr>
+              <a:t>的话，可以省略</a:t>
+            </a:r>
+            <a:r>
+              <a:rPr lang="en-US" altLang="zh-CN" sz="1200" dirty="0" smtClean="0">
+                <a:solidFill>
+                  <a:srgbClr val="000000"/>
+                </a:solidFill>
+              </a:rPr>
+              <a:t>run</a:t>
+            </a:r>
+            <a:r>
+              <a:rPr lang="zh-CN" altLang="en-US" sz="1200" dirty="0" smtClean="0">
+                <a:solidFill>
+                  <a:srgbClr val="000000"/>
+                </a:solidFill>
+              </a:rPr>
+              <a:t>，即可以写成：</a:t>
+            </a:r>
+            <a:r>
+              <a:rPr lang="en-US" altLang="zh-CN" sz="1200" dirty="0" smtClean="0">
+                <a:solidFill>
+                  <a:srgbClr val="000000"/>
+                </a:solidFill>
+              </a:rPr>
               <a:t>npm start</a:t>
+            </a:r>
+            <a:r>
+              <a:rPr lang="zh-CN" altLang="en-US" sz="1200" dirty="0" smtClean="0">
+                <a:solidFill>
+                  <a:srgbClr val="000000"/>
+                </a:solidFill>
+              </a:rPr>
+              <a:t>）</a:t>
             </a:r>
             <a:endParaRPr lang="zh-CN" altLang="en-US" sz="1200" dirty="0" smtClean="0">
               <a:solidFill>
